--- a/doc/Presentation.pptx
+++ b/doc/Presentation.pptx
@@ -119,7 +119,7 @@
   </p:defaultTextStyle>
   <p:extLst>
     <p:ext uri="{EFAFB233-063F-42B5-8137-9DF3F51BA10A}">
-      <p15:sldGuideLst xmlns:p15="http://schemas.microsoft.com/office/powerpoint/2012/main"/>
+      <p15:sldGuideLst xmlns:p15="http://schemas.microsoft.com/office/powerpoint/2012/main" xmlns=""/>
     </p:ext>
   </p:extLst>
 </p:presentation>
@@ -254,7 +254,7 @@
           <a:p>
             <a:fld id="{846CE7D5-CF57-46EF-B807-FDD0502418D4}" type="datetimeFigureOut">
               <a:rPr lang="en-US" smtClean="0"/>
-              <a:t>5/3/2018</a:t>
+              <a:t>5/2/2018</a:t>
             </a:fld>
             <a:endParaRPr lang="en-US"/>
           </a:p>
@@ -422,7 +422,7 @@
           <a:p>
             <a:fld id="{846CE7D5-CF57-46EF-B807-FDD0502418D4}" type="datetimeFigureOut">
               <a:rPr lang="en-US" smtClean="0"/>
-              <a:t>5/3/2018</a:t>
+              <a:t>5/2/2018</a:t>
             </a:fld>
             <a:endParaRPr lang="en-US"/>
           </a:p>
@@ -600,7 +600,7 @@
           <a:p>
             <a:fld id="{846CE7D5-CF57-46EF-B807-FDD0502418D4}" type="datetimeFigureOut">
               <a:rPr lang="en-US" smtClean="0"/>
-              <a:t>5/3/2018</a:t>
+              <a:t>5/2/2018</a:t>
             </a:fld>
             <a:endParaRPr lang="en-US"/>
           </a:p>
@@ -768,7 +768,7 @@
           <a:p>
             <a:fld id="{846CE7D5-CF57-46EF-B807-FDD0502418D4}" type="datetimeFigureOut">
               <a:rPr lang="en-US" smtClean="0"/>
-              <a:t>5/3/2018</a:t>
+              <a:t>5/2/2018</a:t>
             </a:fld>
             <a:endParaRPr lang="en-US"/>
           </a:p>
@@ -1013,7 +1013,7 @@
           <a:p>
             <a:fld id="{846CE7D5-CF57-46EF-B807-FDD0502418D4}" type="datetimeFigureOut">
               <a:rPr lang="en-US" smtClean="0"/>
-              <a:t>5/3/2018</a:t>
+              <a:t>5/2/2018</a:t>
             </a:fld>
             <a:endParaRPr lang="en-US"/>
           </a:p>
@@ -1242,7 +1242,7 @@
           <a:p>
             <a:fld id="{846CE7D5-CF57-46EF-B807-FDD0502418D4}" type="datetimeFigureOut">
               <a:rPr lang="en-US" smtClean="0"/>
-              <a:t>5/3/2018</a:t>
+              <a:t>5/2/2018</a:t>
             </a:fld>
             <a:endParaRPr lang="en-US"/>
           </a:p>
@@ -1606,7 +1606,7 @@
           <a:p>
             <a:fld id="{846CE7D5-CF57-46EF-B807-FDD0502418D4}" type="datetimeFigureOut">
               <a:rPr lang="en-US" smtClean="0"/>
-              <a:t>5/3/2018</a:t>
+              <a:t>5/2/2018</a:t>
             </a:fld>
             <a:endParaRPr lang="en-US"/>
           </a:p>
@@ -1723,7 +1723,7 @@
           <a:p>
             <a:fld id="{846CE7D5-CF57-46EF-B807-FDD0502418D4}" type="datetimeFigureOut">
               <a:rPr lang="en-US" smtClean="0"/>
-              <a:t>5/3/2018</a:t>
+              <a:t>5/2/2018</a:t>
             </a:fld>
             <a:endParaRPr lang="en-US"/>
           </a:p>
@@ -1818,7 +1818,7 @@
           <a:p>
             <a:fld id="{846CE7D5-CF57-46EF-B807-FDD0502418D4}" type="datetimeFigureOut">
               <a:rPr lang="en-US" smtClean="0"/>
-              <a:t>5/3/2018</a:t>
+              <a:t>5/2/2018</a:t>
             </a:fld>
             <a:endParaRPr lang="en-US"/>
           </a:p>
@@ -2093,7 +2093,7 @@
           <a:p>
             <a:fld id="{846CE7D5-CF57-46EF-B807-FDD0502418D4}" type="datetimeFigureOut">
               <a:rPr lang="en-US" smtClean="0"/>
-              <a:t>5/3/2018</a:t>
+              <a:t>5/2/2018</a:t>
             </a:fld>
             <a:endParaRPr lang="en-US"/>
           </a:p>
@@ -2348,7 +2348,7 @@
           <a:p>
             <a:fld id="{846CE7D5-CF57-46EF-B807-FDD0502418D4}" type="datetimeFigureOut">
               <a:rPr lang="en-US" smtClean="0"/>
-              <a:t>5/3/2018</a:t>
+              <a:t>5/2/2018</a:t>
             </a:fld>
             <a:endParaRPr lang="en-US"/>
           </a:p>
@@ -2559,7 +2559,7 @@
           <a:p>
             <a:fld id="{846CE7D5-CF57-46EF-B807-FDD0502418D4}" type="datetimeFigureOut">
               <a:rPr lang="en-US" smtClean="0"/>
-              <a:t>5/3/2018</a:t>
+              <a:t>5/2/2018</a:t>
             </a:fld>
             <a:endParaRPr lang="en-US"/>
           </a:p>
@@ -3068,6 +3068,13 @@
   <p:clrMapOvr>
     <a:masterClrMapping/>
   </p:clrMapOvr>
+  <p:timing>
+    <p:tnLst>
+      <p:par>
+        <p:cTn id="1" dur="indefinite" restart="never" nodeType="tmRoot"/>
+      </p:par>
+    </p:tnLst>
+  </p:timing>
 </p:sld>
 </file>
 
@@ -3104,7 +3111,7 @@
           <p:cNvPr id="2" name="Title 1">
             <a:extLst>
               <a:ext uri="{FF2B5EF4-FFF2-40B4-BE49-F238E27FC236}">
-                <a16:creationId xmlns:a16="http://schemas.microsoft.com/office/drawing/2014/main" id="{13467139-FC75-4921-B9B4-6BBF0268EBF2}"/>
+                <a16:creationId xmlns:a16="http://schemas.microsoft.com/office/drawing/2014/main" xmlns="" id="{13467139-FC75-4921-B9B4-6BBF0268EBF2}"/>
               </a:ext>
             </a:extLst>
           </p:cNvPr>
@@ -3135,7 +3142,7 @@
           <p:cNvPr id="3" name="Content Placeholder 2">
             <a:extLst>
               <a:ext uri="{FF2B5EF4-FFF2-40B4-BE49-F238E27FC236}">
-                <a16:creationId xmlns:a16="http://schemas.microsoft.com/office/drawing/2014/main" id="{E85291DF-6969-4310-A567-3BF882C30FBF}"/>
+                <a16:creationId xmlns:a16="http://schemas.microsoft.com/office/drawing/2014/main" xmlns="" id="{E85291DF-6969-4310-A567-3BF882C30FBF}"/>
               </a:ext>
             </a:extLst>
           </p:cNvPr>
@@ -3207,6 +3214,13 @@
   <p:clrMapOvr>
     <a:masterClrMapping/>
   </p:clrMapOvr>
+  <p:timing>
+    <p:tnLst>
+      <p:par>
+        <p:cTn id="1" dur="indefinite" restart="never" nodeType="tmRoot"/>
+      </p:par>
+    </p:tnLst>
+  </p:timing>
 </p:sld>
 </file>
 
@@ -3243,7 +3257,7 @@
           <p:cNvPr id="2" name="Title 1">
             <a:extLst>
               <a:ext uri="{FF2B5EF4-FFF2-40B4-BE49-F238E27FC236}">
-                <a16:creationId xmlns:a16="http://schemas.microsoft.com/office/drawing/2014/main" id="{06C18374-CB30-4F12-97F5-5A9B95538EBC}"/>
+                <a16:creationId xmlns:a16="http://schemas.microsoft.com/office/drawing/2014/main" xmlns="" id="{06C18374-CB30-4F12-97F5-5A9B95538EBC}"/>
               </a:ext>
             </a:extLst>
           </p:cNvPr>
@@ -3274,7 +3288,7 @@
           <p:cNvPr id="4" name="Table 4">
             <a:extLst>
               <a:ext uri="{FF2B5EF4-FFF2-40B4-BE49-F238E27FC236}">
-                <a16:creationId xmlns:a16="http://schemas.microsoft.com/office/drawing/2014/main" id="{37050714-0DB8-4721-825E-27F421F3CD10}"/>
+                <a16:creationId xmlns:a16="http://schemas.microsoft.com/office/drawing/2014/main" xmlns="" id="{37050714-0DB8-4721-825E-27F421F3CD10}"/>
               </a:ext>
             </a:extLst>
           </p:cNvPr>
@@ -3304,28 +3318,28 @@
                 <a:gridCol w="2628900">
                   <a:extLst>
                     <a:ext uri="{9D8B030D-6E8A-4147-A177-3AD203B41FA5}">
-                      <a16:colId xmlns:a16="http://schemas.microsoft.com/office/drawing/2014/main" val="2658501651"/>
+                      <a16:colId xmlns:a16="http://schemas.microsoft.com/office/drawing/2014/main" xmlns="" val="2658501651"/>
                     </a:ext>
                   </a:extLst>
                 </a:gridCol>
                 <a:gridCol w="2628900">
                   <a:extLst>
                     <a:ext uri="{9D8B030D-6E8A-4147-A177-3AD203B41FA5}">
-                      <a16:colId xmlns:a16="http://schemas.microsoft.com/office/drawing/2014/main" val="3029228464"/>
+                      <a16:colId xmlns:a16="http://schemas.microsoft.com/office/drawing/2014/main" xmlns="" val="3029228464"/>
                     </a:ext>
                   </a:extLst>
                 </a:gridCol>
                 <a:gridCol w="2628900">
                   <a:extLst>
                     <a:ext uri="{9D8B030D-6E8A-4147-A177-3AD203B41FA5}">
-                      <a16:colId xmlns:a16="http://schemas.microsoft.com/office/drawing/2014/main" val="1328642229"/>
+                      <a16:colId xmlns:a16="http://schemas.microsoft.com/office/drawing/2014/main" xmlns="" val="1328642229"/>
                     </a:ext>
                   </a:extLst>
                 </a:gridCol>
                 <a:gridCol w="2628900">
                   <a:extLst>
                     <a:ext uri="{9D8B030D-6E8A-4147-A177-3AD203B41FA5}">
-                      <a16:colId xmlns:a16="http://schemas.microsoft.com/office/drawing/2014/main" val="2829693711"/>
+                      <a16:colId xmlns:a16="http://schemas.microsoft.com/office/drawing/2014/main" xmlns="" val="2829693711"/>
                     </a:ext>
                   </a:extLst>
                 </a:gridCol>
@@ -3391,7 +3405,7 @@
                 </a:tc>
                 <a:extLst>
                   <a:ext uri="{0D108BD9-81ED-4DB2-BD59-A6C34878D82A}">
-                    <a16:rowId xmlns:a16="http://schemas.microsoft.com/office/drawing/2014/main" val="3173407973"/>
+                    <a16:rowId xmlns:a16="http://schemas.microsoft.com/office/drawing/2014/main" xmlns="" val="3173407973"/>
                   </a:ext>
                 </a:extLst>
               </a:tr>
@@ -3462,7 +3476,7 @@
                 </a:tc>
                 <a:extLst>
                   <a:ext uri="{0D108BD9-81ED-4DB2-BD59-A6C34878D82A}">
-                    <a16:rowId xmlns:a16="http://schemas.microsoft.com/office/drawing/2014/main" val="2129113980"/>
+                    <a16:rowId xmlns:a16="http://schemas.microsoft.com/office/drawing/2014/main" xmlns="" val="2129113980"/>
                   </a:ext>
                 </a:extLst>
               </a:tr>
@@ -3533,7 +3547,7 @@
                 </a:tc>
                 <a:extLst>
                   <a:ext uri="{0D108BD9-81ED-4DB2-BD59-A6C34878D82A}">
-                    <a16:rowId xmlns:a16="http://schemas.microsoft.com/office/drawing/2014/main" val="2052019349"/>
+                    <a16:rowId xmlns:a16="http://schemas.microsoft.com/office/drawing/2014/main" xmlns="" val="2052019349"/>
                   </a:ext>
                 </a:extLst>
               </a:tr>
@@ -3604,7 +3618,7 @@
                 </a:tc>
                 <a:extLst>
                   <a:ext uri="{0D108BD9-81ED-4DB2-BD59-A6C34878D82A}">
-                    <a16:rowId xmlns:a16="http://schemas.microsoft.com/office/drawing/2014/main" val="200396807"/>
+                    <a16:rowId xmlns:a16="http://schemas.microsoft.com/office/drawing/2014/main" xmlns="" val="200396807"/>
                   </a:ext>
                 </a:extLst>
               </a:tr>
@@ -3679,7 +3693,7 @@
                 </a:tc>
                 <a:extLst>
                   <a:ext uri="{0D108BD9-81ED-4DB2-BD59-A6C34878D82A}">
-                    <a16:rowId xmlns:a16="http://schemas.microsoft.com/office/drawing/2014/main" val="2777031956"/>
+                    <a16:rowId xmlns:a16="http://schemas.microsoft.com/office/drawing/2014/main" xmlns="" val="2777031956"/>
                   </a:ext>
                 </a:extLst>
               </a:tr>
@@ -3692,7 +3706,7 @@
           <p:cNvPr id="6" name="TextBox 5">
             <a:extLst>
               <a:ext uri="{FF2B5EF4-FFF2-40B4-BE49-F238E27FC236}">
-                <a16:creationId xmlns:a16="http://schemas.microsoft.com/office/drawing/2014/main" id="{3FC95183-D589-4F71-BF6A-30C9AC35CFAF}"/>
+                <a16:creationId xmlns:a16="http://schemas.microsoft.com/office/drawing/2014/main" xmlns="" id="{3FC95183-D589-4F71-BF6A-30C9AC35CFAF}"/>
               </a:ext>
             </a:extLst>
           </p:cNvPr>
@@ -3740,7 +3754,7 @@
               <a:rPr lang="en-US" sz="2800" dirty="0">
                 <a:cs typeface="Calibri"/>
               </a:rPr>
-              <a:t> for false positives over false negatives</a:t>
+              <a:t> for false negatives over false positives</a:t>
             </a:r>
             <a:endParaRPr lang="en-US" dirty="0">
               <a:cs typeface="Calibri"/>
@@ -3791,6 +3805,13 @@
   <p:clrMapOvr>
     <a:masterClrMapping/>
   </p:clrMapOvr>
+  <p:timing>
+    <p:tnLst>
+      <p:par>
+        <p:cTn id="1" dur="indefinite" restart="never" nodeType="tmRoot"/>
+      </p:par>
+    </p:tnLst>
+  </p:timing>
 </p:sld>
 </file>
 
@@ -3827,7 +3848,7 @@
           <p:cNvPr id="2" name="Title 1">
             <a:extLst>
               <a:ext uri="{FF2B5EF4-FFF2-40B4-BE49-F238E27FC236}">
-                <a16:creationId xmlns:a16="http://schemas.microsoft.com/office/drawing/2014/main" id="{9AE54CD4-15A3-4620-A127-F0639A56B9B2}"/>
+                <a16:creationId xmlns:a16="http://schemas.microsoft.com/office/drawing/2014/main" xmlns="" id="{9AE54CD4-15A3-4620-A127-F0639A56B9B2}"/>
               </a:ext>
             </a:extLst>
           </p:cNvPr>
@@ -3858,7 +3879,7 @@
           <p:cNvPr id="3" name="Content Placeholder 2">
             <a:extLst>
               <a:ext uri="{FF2B5EF4-FFF2-40B4-BE49-F238E27FC236}">
-                <a16:creationId xmlns:a16="http://schemas.microsoft.com/office/drawing/2014/main" id="{8EFBFF3D-9D1A-4F5E-BBE7-8DE4D95416B0}"/>
+                <a16:creationId xmlns:a16="http://schemas.microsoft.com/office/drawing/2014/main" xmlns="" id="{8EFBFF3D-9D1A-4F5E-BBE7-8DE4D95416B0}"/>
               </a:ext>
             </a:extLst>
           </p:cNvPr>
@@ -3869,7 +3890,12 @@
             <p:ph idx="1"/>
           </p:nvPr>
         </p:nvSpPr>
-        <p:spPr/>
+        <p:spPr>
+          <a:xfrm>
+            <a:off x="838200" y="1825625"/>
+            <a:ext cx="10515600" cy="2786132"/>
+          </a:xfrm>
+        </p:spPr>
         <p:txBody>
           <a:bodyPr vert="horz" lIns="91440" tIns="45720" rIns="91440" bIns="45720" rtlCol="0" anchor="t">
             <a:normAutofit/>
@@ -3927,27 +3953,56 @@
               <a:cs typeface="Calibri"/>
             </a:endParaRPr>
           </a:p>
-          <a:p>
-            <a:pPr marL="0" indent="0">
-              <a:buNone/>
-            </a:pPr>
-            <a:r>
-              <a:rPr lang="en-US" dirty="0">
+        </p:txBody>
+      </p:sp>
+      <p:sp>
+        <p:nvSpPr>
+          <p:cNvPr id="4" name="TextBox 3"/>
+          <p:cNvSpPr txBox="1"/>
+          <p:nvPr/>
+        </p:nvSpPr>
+        <p:spPr>
+          <a:xfrm>
+            <a:off x="844826" y="4452730"/>
+            <a:ext cx="8955157" cy="1384995"/>
+          </a:xfrm>
+          <a:prstGeom prst="rect">
+            <a:avLst/>
+          </a:prstGeom>
+          <a:noFill/>
+        </p:spPr>
+        <p:txBody>
+          <a:bodyPr wrap="square" rtlCol="0">
+            <a:spAutoFit/>
+          </a:bodyPr>
+          <a:lstStyle/>
+          <a:p>
+            <a:r>
+              <a:rPr lang="en-US" sz="2800" b="1" dirty="0" smtClean="0">
                 <a:cs typeface="Calibri"/>
               </a:rPr>
-              <a:t>Problem</a:t>
-            </a:r>
-          </a:p>
-          <a:p>
-            <a:pPr marL="0" indent="0">
-              <a:buNone/>
-            </a:pPr>
-            <a:r>
-              <a:rPr lang="en-US" dirty="0">
+              <a:t>Problem:</a:t>
+            </a:r>
+            <a:endParaRPr lang="en-US" sz="2800" b="1" dirty="0">
+              <a:cs typeface="Calibri"/>
+            </a:endParaRPr>
+          </a:p>
+          <a:p>
+            <a:r>
+              <a:rPr lang="en-US" sz="2800" dirty="0" smtClean="0">
                 <a:cs typeface="Calibri"/>
               </a:rPr>
-              <a:t>5. Could not get watershed algorithm to successfully segment lobes</a:t>
-            </a:r>
+              <a:t>Could </a:t>
+            </a:r>
+            <a:r>
+              <a:rPr lang="en-US" sz="2800" dirty="0">
+                <a:cs typeface="Calibri"/>
+              </a:rPr>
+              <a:t>not get watershed algorithm to successfully segment lobes</a:t>
+            </a:r>
+            <a:endParaRPr lang="en-US" sz="2800" dirty="0">
+              <a:cs typeface="Calibri"/>
+            </a:endParaRPr>
           </a:p>
         </p:txBody>
       </p:sp>
@@ -3995,7 +4050,7 @@
                                           </p:stCondLst>
                                         </p:cTn>
                                         <p:tgtEl>
-                                          <p:spTgt spid="3"/>
+                                          <p:spTgt spid="4"/>
                                         </p:tgtEl>
                                         <p:attrNameLst>
                                           <p:attrName>style.visibility</p:attrName>
@@ -4036,7 +4091,7 @@
       </p:par>
     </p:tnLst>
     <p:bldLst>
-      <p:bldP spid="3" grpId="0"/>
+      <p:bldP spid="4" grpId="0"/>
     </p:bldLst>
   </p:timing>
 </p:sld>
@@ -4075,7 +4130,7 @@
           <p:cNvPr id="2" name="Title 1">
             <a:extLst>
               <a:ext uri="{FF2B5EF4-FFF2-40B4-BE49-F238E27FC236}">
-                <a16:creationId xmlns:a16="http://schemas.microsoft.com/office/drawing/2014/main" id="{F006E2F2-711D-46CC-B86E-9D1DE4533CDB}"/>
+                <a16:creationId xmlns:a16="http://schemas.microsoft.com/office/drawing/2014/main" xmlns="" id="{F006E2F2-711D-46CC-B86E-9D1DE4533CDB}"/>
               </a:ext>
             </a:extLst>
           </p:cNvPr>
@@ -4106,7 +4161,7 @@
           <p:cNvPr id="3" name="Content Placeholder 2">
             <a:extLst>
               <a:ext uri="{FF2B5EF4-FFF2-40B4-BE49-F238E27FC236}">
-                <a16:creationId xmlns:a16="http://schemas.microsoft.com/office/drawing/2014/main" id="{93C6088C-AE9F-457B-9E95-2791689E3BAB}"/>
+                <a16:creationId xmlns:a16="http://schemas.microsoft.com/office/drawing/2014/main" xmlns="" id="{93C6088C-AE9F-457B-9E95-2791689E3BAB}"/>
               </a:ext>
             </a:extLst>
           </p:cNvPr>
@@ -4183,6 +4238,13 @@
   <p:clrMapOvr>
     <a:masterClrMapping/>
   </p:clrMapOvr>
+  <p:timing>
+    <p:tnLst>
+      <p:par>
+        <p:cTn id="1" dur="indefinite" restart="never" nodeType="tmRoot"/>
+      </p:par>
+    </p:tnLst>
+  </p:timing>
 </p:sld>
 </file>
 
@@ -4219,7 +4281,7 @@
           <p:cNvPr id="2" name="Title 1">
             <a:extLst>
               <a:ext uri="{FF2B5EF4-FFF2-40B4-BE49-F238E27FC236}">
-                <a16:creationId xmlns:a16="http://schemas.microsoft.com/office/drawing/2014/main" id="{A9150025-DBB4-406D-9F04-6EC58FB85B33}"/>
+                <a16:creationId xmlns:a16="http://schemas.microsoft.com/office/drawing/2014/main" xmlns="" id="{A9150025-DBB4-406D-9F04-6EC58FB85B33}"/>
               </a:ext>
             </a:extLst>
           </p:cNvPr>
@@ -4260,6 +4322,13 @@
   <p:clrMapOvr>
     <a:masterClrMapping/>
   </p:clrMapOvr>
+  <p:timing>
+    <p:tnLst>
+      <p:par>
+        <p:cTn id="1" dur="indefinite" restart="never" nodeType="tmRoot"/>
+      </p:par>
+    </p:tnLst>
+  </p:timing>
 </p:sld>
 </file>
 
@@ -4296,7 +4365,7 @@
           <p:cNvPr id="2" name="Title 1">
             <a:extLst>
               <a:ext uri="{FF2B5EF4-FFF2-40B4-BE49-F238E27FC236}">
-                <a16:creationId xmlns:a16="http://schemas.microsoft.com/office/drawing/2014/main" id="{1497F60D-7B44-4096-9C19-47DB6B52626D}"/>
+                <a16:creationId xmlns:a16="http://schemas.microsoft.com/office/drawing/2014/main" xmlns="" id="{1497F60D-7B44-4096-9C19-47DB6B52626D}"/>
               </a:ext>
             </a:extLst>
           </p:cNvPr>
@@ -4327,7 +4396,7 @@
           <p:cNvPr id="3" name="Content Placeholder 2">
             <a:extLst>
               <a:ext uri="{FF2B5EF4-FFF2-40B4-BE49-F238E27FC236}">
-                <a16:creationId xmlns:a16="http://schemas.microsoft.com/office/drawing/2014/main" id="{B7F2A400-8AC3-4A6D-A0A3-D917899BECCC}"/>
+                <a16:creationId xmlns:a16="http://schemas.microsoft.com/office/drawing/2014/main" xmlns="" id="{B7F2A400-8AC3-4A6D-A0A3-D917899BECCC}"/>
               </a:ext>
             </a:extLst>
           </p:cNvPr>
@@ -4390,6 +4459,13 @@
   <p:clrMapOvr>
     <a:masterClrMapping/>
   </p:clrMapOvr>
+  <p:timing>
+    <p:tnLst>
+      <p:par>
+        <p:cTn id="1" dur="indefinite" restart="never" nodeType="tmRoot"/>
+      </p:par>
+    </p:tnLst>
+  </p:timing>
 </p:sld>
 </file>
 
@@ -4426,7 +4502,7 @@
           <p:cNvPr id="2" name="Title 1">
             <a:extLst>
               <a:ext uri="{FF2B5EF4-FFF2-40B4-BE49-F238E27FC236}">
-                <a16:creationId xmlns:a16="http://schemas.microsoft.com/office/drawing/2014/main" id="{1497F60D-7B44-4096-9C19-47DB6B52626D}"/>
+                <a16:creationId xmlns:a16="http://schemas.microsoft.com/office/drawing/2014/main" xmlns="" id="{1497F60D-7B44-4096-9C19-47DB6B52626D}"/>
               </a:ext>
             </a:extLst>
           </p:cNvPr>
@@ -4457,7 +4533,7 @@
           <p:cNvPr id="3" name="Content Placeholder 2">
             <a:extLst>
               <a:ext uri="{FF2B5EF4-FFF2-40B4-BE49-F238E27FC236}">
-                <a16:creationId xmlns:a16="http://schemas.microsoft.com/office/drawing/2014/main" id="{B7F2A400-8AC3-4A6D-A0A3-D917899BECCC}"/>
+                <a16:creationId xmlns:a16="http://schemas.microsoft.com/office/drawing/2014/main" xmlns="" id="{B7F2A400-8AC3-4A6D-A0A3-D917899BECCC}"/>
               </a:ext>
             </a:extLst>
           </p:cNvPr>
@@ -4530,7 +4606,7 @@
           <p:cNvPr id="8" name="Picture 8" descr="A picture containing clipart&#10;&#10;Description generated with high confidence">
             <a:extLst>
               <a:ext uri="{FF2B5EF4-FFF2-40B4-BE49-F238E27FC236}">
-                <a16:creationId xmlns:a16="http://schemas.microsoft.com/office/drawing/2014/main" id="{9551A7D4-CCC2-4A42-94A7-49604C581D9E}"/>
+                <a16:creationId xmlns:a16="http://schemas.microsoft.com/office/drawing/2014/main" xmlns="" id="{9551A7D4-CCC2-4A42-94A7-49604C581D9E}"/>
               </a:ext>
             </a:extLst>
           </p:cNvPr>
@@ -4560,7 +4636,7 @@
           <p:cNvPr id="10" name="Picture 10">
             <a:extLst>
               <a:ext uri="{FF2B5EF4-FFF2-40B4-BE49-F238E27FC236}">
-                <a16:creationId xmlns:a16="http://schemas.microsoft.com/office/drawing/2014/main" id="{B0B61A86-501E-4D71-9820-CE3336255959}"/>
+                <a16:creationId xmlns:a16="http://schemas.microsoft.com/office/drawing/2014/main" xmlns="" id="{B0B61A86-501E-4D71-9820-CE3336255959}"/>
               </a:ext>
             </a:extLst>
           </p:cNvPr>
@@ -4751,7 +4827,7 @@
           <p:cNvPr id="2" name="Title 1">
             <a:extLst>
               <a:ext uri="{FF2B5EF4-FFF2-40B4-BE49-F238E27FC236}">
-                <a16:creationId xmlns:a16="http://schemas.microsoft.com/office/drawing/2014/main" id="{C194577D-1485-49DC-8E8C-0505BDAB46D5}"/>
+                <a16:creationId xmlns:a16="http://schemas.microsoft.com/office/drawing/2014/main" xmlns="" id="{C194577D-1485-49DC-8E8C-0505BDAB46D5}"/>
               </a:ext>
             </a:extLst>
           </p:cNvPr>
@@ -4787,7 +4863,7 @@
           <p:cNvPr id="3" name="Content Placeholder 2">
             <a:extLst>
               <a:ext uri="{FF2B5EF4-FFF2-40B4-BE49-F238E27FC236}">
-                <a16:creationId xmlns:a16="http://schemas.microsoft.com/office/drawing/2014/main" id="{02AC1EF6-9248-4322-90B2-557968A5D730}"/>
+                <a16:creationId xmlns:a16="http://schemas.microsoft.com/office/drawing/2014/main" xmlns="" id="{02AC1EF6-9248-4322-90B2-557968A5D730}"/>
               </a:ext>
             </a:extLst>
           </p:cNvPr>
@@ -4909,7 +4985,7 @@
           <p:cNvPr id="8" name="Picture 8" descr="A picture containing photo, text&#10;&#10;Description generated with very high confidence">
             <a:extLst>
               <a:ext uri="{FF2B5EF4-FFF2-40B4-BE49-F238E27FC236}">
-                <a16:creationId xmlns:a16="http://schemas.microsoft.com/office/drawing/2014/main" id="{5A4BDF17-F890-48AC-B1C0-DD10F2E5109A}"/>
+                <a16:creationId xmlns:a16="http://schemas.microsoft.com/office/drawing/2014/main" xmlns="" id="{5A4BDF17-F890-48AC-B1C0-DD10F2E5109A}"/>
               </a:ext>
             </a:extLst>
           </p:cNvPr>
@@ -4944,6 +5020,13 @@
   <p:clrMapOvr>
     <a:masterClrMapping/>
   </p:clrMapOvr>
+  <p:timing>
+    <p:tnLst>
+      <p:par>
+        <p:cTn id="1" dur="indefinite" restart="never" nodeType="tmRoot"/>
+      </p:par>
+    </p:tnLst>
+  </p:timing>
 </p:sld>
 </file>
 
@@ -4980,7 +5063,7 @@
           <p:cNvPr id="2" name="Title 1">
             <a:extLst>
               <a:ext uri="{FF2B5EF4-FFF2-40B4-BE49-F238E27FC236}">
-                <a16:creationId xmlns:a16="http://schemas.microsoft.com/office/drawing/2014/main" id="{84FD33EA-7C60-4B17-8A38-D5C111182F6E}"/>
+                <a16:creationId xmlns:a16="http://schemas.microsoft.com/office/drawing/2014/main" xmlns="" id="{84FD33EA-7C60-4B17-8A38-D5C111182F6E}"/>
               </a:ext>
             </a:extLst>
           </p:cNvPr>
@@ -5011,7 +5094,7 @@
           <p:cNvPr id="3" name="Content Placeholder 2">
             <a:extLst>
               <a:ext uri="{FF2B5EF4-FFF2-40B4-BE49-F238E27FC236}">
-                <a16:creationId xmlns:a16="http://schemas.microsoft.com/office/drawing/2014/main" id="{21CBE8C3-2233-44C3-8C43-592061DFE5D6}"/>
+                <a16:creationId xmlns:a16="http://schemas.microsoft.com/office/drawing/2014/main" xmlns="" id="{21CBE8C3-2233-44C3-8C43-592061DFE5D6}"/>
               </a:ext>
             </a:extLst>
           </p:cNvPr>
@@ -5104,6 +5187,13 @@
   <p:clrMapOvr>
     <a:masterClrMapping/>
   </p:clrMapOvr>
+  <p:timing>
+    <p:tnLst>
+      <p:par>
+        <p:cTn id="1" dur="indefinite" restart="never" nodeType="tmRoot"/>
+      </p:par>
+    </p:tnLst>
+  </p:timing>
 </p:sld>
 </file>
 
@@ -5140,7 +5230,7 @@
           <p:cNvPr id="2" name="Title 1">
             <a:extLst>
               <a:ext uri="{FF2B5EF4-FFF2-40B4-BE49-F238E27FC236}">
-                <a16:creationId xmlns:a16="http://schemas.microsoft.com/office/drawing/2014/main" id="{84FD33EA-7C60-4B17-8A38-D5C111182F6E}"/>
+                <a16:creationId xmlns:a16="http://schemas.microsoft.com/office/drawing/2014/main" xmlns="" id="{84FD33EA-7C60-4B17-8A38-D5C111182F6E}"/>
               </a:ext>
             </a:extLst>
           </p:cNvPr>
@@ -5171,7 +5261,7 @@
           <p:cNvPr id="3" name="Content Placeholder 2">
             <a:extLst>
               <a:ext uri="{FF2B5EF4-FFF2-40B4-BE49-F238E27FC236}">
-                <a16:creationId xmlns:a16="http://schemas.microsoft.com/office/drawing/2014/main" id="{21CBE8C3-2233-44C3-8C43-592061DFE5D6}"/>
+                <a16:creationId xmlns:a16="http://schemas.microsoft.com/office/drawing/2014/main" xmlns="" id="{21CBE8C3-2233-44C3-8C43-592061DFE5D6}"/>
               </a:ext>
             </a:extLst>
           </p:cNvPr>
@@ -5233,6 +5323,13 @@
   <p:clrMapOvr>
     <a:masterClrMapping/>
   </p:clrMapOvr>
+  <p:timing>
+    <p:tnLst>
+      <p:par>
+        <p:cTn id="1" dur="indefinite" restart="never" nodeType="tmRoot"/>
+      </p:par>
+    </p:tnLst>
+  </p:timing>
 </p:sld>
 </file>
 
@@ -5269,7 +5366,7 @@
           <p:cNvPr id="2" name="Title 1">
             <a:extLst>
               <a:ext uri="{FF2B5EF4-FFF2-40B4-BE49-F238E27FC236}">
-                <a16:creationId xmlns:a16="http://schemas.microsoft.com/office/drawing/2014/main" id="{84FD33EA-7C60-4B17-8A38-D5C111182F6E}"/>
+                <a16:creationId xmlns:a16="http://schemas.microsoft.com/office/drawing/2014/main" xmlns="" id="{84FD33EA-7C60-4B17-8A38-D5C111182F6E}"/>
               </a:ext>
             </a:extLst>
           </p:cNvPr>
@@ -5300,7 +5397,7 @@
           <p:cNvPr id="3" name="Content Placeholder 2">
             <a:extLst>
               <a:ext uri="{FF2B5EF4-FFF2-40B4-BE49-F238E27FC236}">
-                <a16:creationId xmlns:a16="http://schemas.microsoft.com/office/drawing/2014/main" id="{21CBE8C3-2233-44C3-8C43-592061DFE5D6}"/>
+                <a16:creationId xmlns:a16="http://schemas.microsoft.com/office/drawing/2014/main" xmlns="" id="{21CBE8C3-2233-44C3-8C43-592061DFE5D6}"/>
               </a:ext>
             </a:extLst>
           </p:cNvPr>
@@ -5363,7 +5460,7 @@
           <p:cNvPr id="4" name="Picture 4" descr="A picture containing table, photo, sitting&#10;&#10;Description generated with high confidence">
             <a:extLst>
               <a:ext uri="{FF2B5EF4-FFF2-40B4-BE49-F238E27FC236}">
-                <a16:creationId xmlns:a16="http://schemas.microsoft.com/office/drawing/2014/main" id="{B2748C40-539B-4B88-9536-91BE934DBA5E}"/>
+                <a16:creationId xmlns:a16="http://schemas.microsoft.com/office/drawing/2014/main" xmlns="" id="{B2748C40-539B-4B88-9536-91BE934DBA5E}"/>
               </a:ext>
             </a:extLst>
           </p:cNvPr>
@@ -5393,7 +5490,7 @@
           <p:cNvPr id="6" name="Picture 6">
             <a:extLst>
               <a:ext uri="{FF2B5EF4-FFF2-40B4-BE49-F238E27FC236}">
-                <a16:creationId xmlns:a16="http://schemas.microsoft.com/office/drawing/2014/main" id="{F9639884-1FFA-45E1-B912-210739DEBCF9}"/>
+                <a16:creationId xmlns:a16="http://schemas.microsoft.com/office/drawing/2014/main" xmlns="" id="{F9639884-1FFA-45E1-B912-210739DEBCF9}"/>
               </a:ext>
             </a:extLst>
           </p:cNvPr>
@@ -5423,7 +5520,7 @@
           <p:cNvPr id="8" name="Picture 8" descr="A close up of a logo&#10;&#10;Description generated with very high confidence">
             <a:extLst>
               <a:ext uri="{FF2B5EF4-FFF2-40B4-BE49-F238E27FC236}">
-                <a16:creationId xmlns:a16="http://schemas.microsoft.com/office/drawing/2014/main" id="{BB2F7964-32AE-4152-AFEB-FC39E265E7BE}"/>
+                <a16:creationId xmlns:a16="http://schemas.microsoft.com/office/drawing/2014/main" xmlns="" id="{BB2F7964-32AE-4152-AFEB-FC39E265E7BE}"/>
               </a:ext>
             </a:extLst>
           </p:cNvPr>
@@ -5614,7 +5711,7 @@
           <p:cNvPr id="2" name="Title 1">
             <a:extLst>
               <a:ext uri="{FF2B5EF4-FFF2-40B4-BE49-F238E27FC236}">
-                <a16:creationId xmlns:a16="http://schemas.microsoft.com/office/drawing/2014/main" id="{6C8DC7CD-73B7-466E-9C76-6652092594B2}"/>
+                <a16:creationId xmlns:a16="http://schemas.microsoft.com/office/drawing/2014/main" xmlns="" id="{6C8DC7CD-73B7-466E-9C76-6652092594B2}"/>
               </a:ext>
             </a:extLst>
           </p:cNvPr>
@@ -5645,7 +5742,7 @@
           <p:cNvPr id="3" name="Content Placeholder 2">
             <a:extLst>
               <a:ext uri="{FF2B5EF4-FFF2-40B4-BE49-F238E27FC236}">
-                <a16:creationId xmlns:a16="http://schemas.microsoft.com/office/drawing/2014/main" id="{2068D648-DD9D-4FD3-A55A-948FF577D56B}"/>
+                <a16:creationId xmlns:a16="http://schemas.microsoft.com/office/drawing/2014/main" xmlns="" id="{2068D648-DD9D-4FD3-A55A-948FF577D56B}"/>
               </a:ext>
             </a:extLst>
           </p:cNvPr>
@@ -5714,7 +5811,7 @@
           <p:cNvPr id="6" name="Picture 6" descr="A picture containing photo, clock&#10;&#10;Description generated with high confidence">
             <a:extLst>
               <a:ext uri="{FF2B5EF4-FFF2-40B4-BE49-F238E27FC236}">
-                <a16:creationId xmlns:a16="http://schemas.microsoft.com/office/drawing/2014/main" id="{97129865-904A-404D-B4D5-B12445A5910F}"/>
+                <a16:creationId xmlns:a16="http://schemas.microsoft.com/office/drawing/2014/main" xmlns="" id="{97129865-904A-404D-B4D5-B12445A5910F}"/>
               </a:ext>
             </a:extLst>
           </p:cNvPr>
@@ -5749,6 +5846,13 @@
   <p:clrMapOvr>
     <a:masterClrMapping/>
   </p:clrMapOvr>
+  <p:timing>
+    <p:tnLst>
+      <p:par>
+        <p:cTn id="1" dur="indefinite" restart="never" nodeType="tmRoot"/>
+      </p:par>
+    </p:tnLst>
+  </p:timing>
 </p:sld>
 </file>
 
@@ -5785,7 +5889,7 @@
           <p:cNvPr id="2" name="Title 1">
             <a:extLst>
               <a:ext uri="{FF2B5EF4-FFF2-40B4-BE49-F238E27FC236}">
-                <a16:creationId xmlns:a16="http://schemas.microsoft.com/office/drawing/2014/main" id="{CBCA0D67-B308-437D-AD6A-5A7B01A4C21D}"/>
+                <a16:creationId xmlns:a16="http://schemas.microsoft.com/office/drawing/2014/main" xmlns="" id="{CBCA0D67-B308-437D-AD6A-5A7B01A4C21D}"/>
               </a:ext>
             </a:extLst>
           </p:cNvPr>
@@ -5816,7 +5920,7 @@
           <p:cNvPr id="3" name="Content Placeholder 2">
             <a:extLst>
               <a:ext uri="{FF2B5EF4-FFF2-40B4-BE49-F238E27FC236}">
-                <a16:creationId xmlns:a16="http://schemas.microsoft.com/office/drawing/2014/main" id="{CE934D79-56CF-4D86-84D6-7EEEED1E307F}"/>
+                <a16:creationId xmlns:a16="http://schemas.microsoft.com/office/drawing/2014/main" xmlns="" id="{CE934D79-56CF-4D86-84D6-7EEEED1E307F}"/>
               </a:ext>
             </a:extLst>
           </p:cNvPr>
@@ -5854,7 +5958,7 @@
           <p:cNvPr id="4" name="Picture 4" descr="A close up of an animal&#10;&#10;Description generated with very high confidence">
             <a:extLst>
               <a:ext uri="{FF2B5EF4-FFF2-40B4-BE49-F238E27FC236}">
-                <a16:creationId xmlns:a16="http://schemas.microsoft.com/office/drawing/2014/main" id="{7B5C3AB6-090C-4E41-AA20-C6E81A304EE1}"/>
+                <a16:creationId xmlns:a16="http://schemas.microsoft.com/office/drawing/2014/main" xmlns="" id="{7B5C3AB6-090C-4E41-AA20-C6E81A304EE1}"/>
               </a:ext>
             </a:extLst>
           </p:cNvPr>
@@ -5884,7 +5988,7 @@
           <p:cNvPr id="6" name="Picture 6" descr="A close up of an animal&#10;&#10;Description generated with very high confidence">
             <a:extLst>
               <a:ext uri="{FF2B5EF4-FFF2-40B4-BE49-F238E27FC236}">
-                <a16:creationId xmlns:a16="http://schemas.microsoft.com/office/drawing/2014/main" id="{855B2CBE-1AC1-42A2-9B34-C2E55F9AB688}"/>
+                <a16:creationId xmlns:a16="http://schemas.microsoft.com/office/drawing/2014/main" xmlns="" id="{855B2CBE-1AC1-42A2-9B34-C2E55F9AB688}"/>
               </a:ext>
             </a:extLst>
           </p:cNvPr>
@@ -6252,7 +6356,7 @@
   <a:extraClrSchemeLst/>
   <a:extLst>
     <a:ext uri="{05A4C25C-085E-4340-85A3-A5531E510DB2}">
-      <thm15:themeFamily xmlns:thm15="http://schemas.microsoft.com/office/thememl/2012/main" name="Office Theme" id="{62F939B6-93AF-4DB8-9C6B-D6C7DFDC589F}" vid="{4A3C46E8-61CC-4603-A589-7422A47A8E4A}"/>
+      <thm15:themeFamily xmlns:thm15="http://schemas.microsoft.com/office/thememl/2012/main" xmlns="" name="Office Theme" id="{62F939B6-93AF-4DB8-9C6B-D6C7DFDC589F}" vid="{4A3C46E8-61CC-4603-A589-7422A47A8E4A}"/>
     </a:ext>
   </a:extLst>
 </a:theme>

--- a/doc/Presentation.pptx
+++ b/doc/Presentation.pptx
@@ -119,7 +119,7 @@
   </p:defaultTextStyle>
   <p:extLst>
     <p:ext uri="{EFAFB233-063F-42B5-8137-9DF3F51BA10A}">
-      <p15:sldGuideLst xmlns:p15="http://schemas.microsoft.com/office/powerpoint/2012/main" xmlns=""/>
+      <p15:sldGuideLst xmlns:p15="http://schemas.microsoft.com/office/powerpoint/2012/main"/>
     </p:ext>
   </p:extLst>
 </p:presentation>
@@ -254,7 +254,7 @@
           <a:p>
             <a:fld id="{846CE7D5-CF57-46EF-B807-FDD0502418D4}" type="datetimeFigureOut">
               <a:rPr lang="en-US" smtClean="0"/>
-              <a:t>5/2/2018</a:t>
+              <a:t>5/3/2018</a:t>
             </a:fld>
             <a:endParaRPr lang="en-US"/>
           </a:p>
@@ -422,7 +422,7 @@
           <a:p>
             <a:fld id="{846CE7D5-CF57-46EF-B807-FDD0502418D4}" type="datetimeFigureOut">
               <a:rPr lang="en-US" smtClean="0"/>
-              <a:t>5/2/2018</a:t>
+              <a:t>5/3/2018</a:t>
             </a:fld>
             <a:endParaRPr lang="en-US"/>
           </a:p>
@@ -600,7 +600,7 @@
           <a:p>
             <a:fld id="{846CE7D5-CF57-46EF-B807-FDD0502418D4}" type="datetimeFigureOut">
               <a:rPr lang="en-US" smtClean="0"/>
-              <a:t>5/2/2018</a:t>
+              <a:t>5/3/2018</a:t>
             </a:fld>
             <a:endParaRPr lang="en-US"/>
           </a:p>
@@ -768,7 +768,7 @@
           <a:p>
             <a:fld id="{846CE7D5-CF57-46EF-B807-FDD0502418D4}" type="datetimeFigureOut">
               <a:rPr lang="en-US" smtClean="0"/>
-              <a:t>5/2/2018</a:t>
+              <a:t>5/3/2018</a:t>
             </a:fld>
             <a:endParaRPr lang="en-US"/>
           </a:p>
@@ -1013,7 +1013,7 @@
           <a:p>
             <a:fld id="{846CE7D5-CF57-46EF-B807-FDD0502418D4}" type="datetimeFigureOut">
               <a:rPr lang="en-US" smtClean="0"/>
-              <a:t>5/2/2018</a:t>
+              <a:t>5/3/2018</a:t>
             </a:fld>
             <a:endParaRPr lang="en-US"/>
           </a:p>
@@ -1242,7 +1242,7 @@
           <a:p>
             <a:fld id="{846CE7D5-CF57-46EF-B807-FDD0502418D4}" type="datetimeFigureOut">
               <a:rPr lang="en-US" smtClean="0"/>
-              <a:t>5/2/2018</a:t>
+              <a:t>5/3/2018</a:t>
             </a:fld>
             <a:endParaRPr lang="en-US"/>
           </a:p>
@@ -1606,7 +1606,7 @@
           <a:p>
             <a:fld id="{846CE7D5-CF57-46EF-B807-FDD0502418D4}" type="datetimeFigureOut">
               <a:rPr lang="en-US" smtClean="0"/>
-              <a:t>5/2/2018</a:t>
+              <a:t>5/3/2018</a:t>
             </a:fld>
             <a:endParaRPr lang="en-US"/>
           </a:p>
@@ -1723,7 +1723,7 @@
           <a:p>
             <a:fld id="{846CE7D5-CF57-46EF-B807-FDD0502418D4}" type="datetimeFigureOut">
               <a:rPr lang="en-US" smtClean="0"/>
-              <a:t>5/2/2018</a:t>
+              <a:t>5/3/2018</a:t>
             </a:fld>
             <a:endParaRPr lang="en-US"/>
           </a:p>
@@ -1818,7 +1818,7 @@
           <a:p>
             <a:fld id="{846CE7D5-CF57-46EF-B807-FDD0502418D4}" type="datetimeFigureOut">
               <a:rPr lang="en-US" smtClean="0"/>
-              <a:t>5/2/2018</a:t>
+              <a:t>5/3/2018</a:t>
             </a:fld>
             <a:endParaRPr lang="en-US"/>
           </a:p>
@@ -2093,7 +2093,7 @@
           <a:p>
             <a:fld id="{846CE7D5-CF57-46EF-B807-FDD0502418D4}" type="datetimeFigureOut">
               <a:rPr lang="en-US" smtClean="0"/>
-              <a:t>5/2/2018</a:t>
+              <a:t>5/3/2018</a:t>
             </a:fld>
             <a:endParaRPr lang="en-US"/>
           </a:p>
@@ -2348,7 +2348,7 @@
           <a:p>
             <a:fld id="{846CE7D5-CF57-46EF-B807-FDD0502418D4}" type="datetimeFigureOut">
               <a:rPr lang="en-US" smtClean="0"/>
-              <a:t>5/2/2018</a:t>
+              <a:t>5/3/2018</a:t>
             </a:fld>
             <a:endParaRPr lang="en-US"/>
           </a:p>
@@ -2559,7 +2559,7 @@
           <a:p>
             <a:fld id="{846CE7D5-CF57-46EF-B807-FDD0502418D4}" type="datetimeFigureOut">
               <a:rPr lang="en-US" smtClean="0"/>
-              <a:t>5/2/2018</a:t>
+              <a:t>5/3/2018</a:t>
             </a:fld>
             <a:endParaRPr lang="en-US"/>
           </a:p>
@@ -3068,13 +3068,6 @@
   <p:clrMapOvr>
     <a:masterClrMapping/>
   </p:clrMapOvr>
-  <p:timing>
-    <p:tnLst>
-      <p:par>
-        <p:cTn id="1" dur="indefinite" restart="never" nodeType="tmRoot"/>
-      </p:par>
-    </p:tnLst>
-  </p:timing>
 </p:sld>
 </file>
 
@@ -3111,7 +3104,7 @@
           <p:cNvPr id="2" name="Title 1">
             <a:extLst>
               <a:ext uri="{FF2B5EF4-FFF2-40B4-BE49-F238E27FC236}">
-                <a16:creationId xmlns:a16="http://schemas.microsoft.com/office/drawing/2014/main" xmlns="" id="{13467139-FC75-4921-B9B4-6BBF0268EBF2}"/>
+                <a16:creationId xmlns:a16="http://schemas.microsoft.com/office/drawing/2014/main" id="{13467139-FC75-4921-B9B4-6BBF0268EBF2}"/>
               </a:ext>
             </a:extLst>
           </p:cNvPr>
@@ -3142,7 +3135,7 @@
           <p:cNvPr id="3" name="Content Placeholder 2">
             <a:extLst>
               <a:ext uri="{FF2B5EF4-FFF2-40B4-BE49-F238E27FC236}">
-                <a16:creationId xmlns:a16="http://schemas.microsoft.com/office/drawing/2014/main" xmlns="" id="{E85291DF-6969-4310-A567-3BF882C30FBF}"/>
+                <a16:creationId xmlns:a16="http://schemas.microsoft.com/office/drawing/2014/main" id="{E85291DF-6969-4310-A567-3BF882C30FBF}"/>
               </a:ext>
             </a:extLst>
           </p:cNvPr>
@@ -3214,13 +3207,6 @@
   <p:clrMapOvr>
     <a:masterClrMapping/>
   </p:clrMapOvr>
-  <p:timing>
-    <p:tnLst>
-      <p:par>
-        <p:cTn id="1" dur="indefinite" restart="never" nodeType="tmRoot"/>
-      </p:par>
-    </p:tnLst>
-  </p:timing>
 </p:sld>
 </file>
 
@@ -3257,7 +3243,7 @@
           <p:cNvPr id="2" name="Title 1">
             <a:extLst>
               <a:ext uri="{FF2B5EF4-FFF2-40B4-BE49-F238E27FC236}">
-                <a16:creationId xmlns:a16="http://schemas.microsoft.com/office/drawing/2014/main" xmlns="" id="{06C18374-CB30-4F12-97F5-5A9B95538EBC}"/>
+                <a16:creationId xmlns:a16="http://schemas.microsoft.com/office/drawing/2014/main" id="{06C18374-CB30-4F12-97F5-5A9B95538EBC}"/>
               </a:ext>
             </a:extLst>
           </p:cNvPr>
@@ -3288,7 +3274,7 @@
           <p:cNvPr id="4" name="Table 4">
             <a:extLst>
               <a:ext uri="{FF2B5EF4-FFF2-40B4-BE49-F238E27FC236}">
-                <a16:creationId xmlns:a16="http://schemas.microsoft.com/office/drawing/2014/main" xmlns="" id="{37050714-0DB8-4721-825E-27F421F3CD10}"/>
+                <a16:creationId xmlns:a16="http://schemas.microsoft.com/office/drawing/2014/main" id="{37050714-0DB8-4721-825E-27F421F3CD10}"/>
               </a:ext>
             </a:extLst>
           </p:cNvPr>
@@ -3299,7 +3285,7 @@
             <p:ph idx="1"/>
             <p:extLst>
               <p:ext uri="{D42A27DB-BD31-4B8C-83A1-F6EECF244321}">
-                <p14:modId xmlns:p14="http://schemas.microsoft.com/office/powerpoint/2010/main" val="1757246084"/>
+                <p14:modId xmlns:p14="http://schemas.microsoft.com/office/powerpoint/2010/main" val="1315671931"/>
               </p:ext>
             </p:extLst>
           </p:nvPr>
@@ -3318,28 +3304,28 @@
                 <a:gridCol w="2628900">
                   <a:extLst>
                     <a:ext uri="{9D8B030D-6E8A-4147-A177-3AD203B41FA5}">
-                      <a16:colId xmlns:a16="http://schemas.microsoft.com/office/drawing/2014/main" xmlns="" val="2658501651"/>
+                      <a16:colId xmlns:a16="http://schemas.microsoft.com/office/drawing/2014/main" val="2658501651"/>
                     </a:ext>
                   </a:extLst>
                 </a:gridCol>
                 <a:gridCol w="2628900">
                   <a:extLst>
                     <a:ext uri="{9D8B030D-6E8A-4147-A177-3AD203B41FA5}">
-                      <a16:colId xmlns:a16="http://schemas.microsoft.com/office/drawing/2014/main" xmlns="" val="3029228464"/>
+                      <a16:colId xmlns:a16="http://schemas.microsoft.com/office/drawing/2014/main" val="3029228464"/>
                     </a:ext>
                   </a:extLst>
                 </a:gridCol>
                 <a:gridCol w="2628900">
                   <a:extLst>
                     <a:ext uri="{9D8B030D-6E8A-4147-A177-3AD203B41FA5}">
-                      <a16:colId xmlns:a16="http://schemas.microsoft.com/office/drawing/2014/main" xmlns="" val="1328642229"/>
+                      <a16:colId xmlns:a16="http://schemas.microsoft.com/office/drawing/2014/main" val="1328642229"/>
                     </a:ext>
                   </a:extLst>
                 </a:gridCol>
                 <a:gridCol w="2628900">
                   <a:extLst>
                     <a:ext uri="{9D8B030D-6E8A-4147-A177-3AD203B41FA5}">
-                      <a16:colId xmlns:a16="http://schemas.microsoft.com/office/drawing/2014/main" xmlns="" val="2829693711"/>
+                      <a16:colId xmlns:a16="http://schemas.microsoft.com/office/drawing/2014/main" val="2829693711"/>
                     </a:ext>
                   </a:extLst>
                 </a:gridCol>
@@ -3376,13 +3362,19 @@
                     <a:bodyPr/>
                     <a:lstStyle/>
                     <a:p>
-                      <a:pPr>
+                      <a:pPr lvl="0" algn="l">
                         <a:buNone/>
                       </a:pPr>
                       <a:r>
-                        <a:rPr lang="en-US" dirty="0"/>
-                        <a:t>Specificity</a:t>
+                        <a:rPr lang="en-US" sz="1800" b="1" i="0" u="none" strike="noStrike" noProof="0" dirty="0">
+                          <a:solidFill>
+                            <a:srgbClr val="FFFFFF"/>
+                          </a:solidFill>
+                          <a:latin typeface="Calibri"/>
+                        </a:rPr>
+                        <a:t>Sensitivity</a:t>
                       </a:r>
+                      <a:endParaRPr lang="en-US" dirty="0"/>
                     </a:p>
                   </a:txBody>
                   <a:tcPr/>
@@ -3392,20 +3384,26 @@
                     <a:bodyPr/>
                     <a:lstStyle/>
                     <a:p>
-                      <a:pPr>
+                      <a:pPr lvl="0" algn="l">
                         <a:buNone/>
                       </a:pPr>
                       <a:r>
-                        <a:rPr lang="en-US" dirty="0"/>
-                        <a:t>Sensitivity</a:t>
+                        <a:rPr lang="en-US" sz="1800" b="1" i="0" u="none" strike="noStrike" noProof="0" dirty="0">
+                          <a:solidFill>
+                            <a:srgbClr val="FFFFFF"/>
+                          </a:solidFill>
+                          <a:latin typeface="Calibri"/>
+                        </a:rPr>
+                        <a:t>Specificity</a:t>
                       </a:r>
+                      <a:endParaRPr lang="en-US" dirty="0"/>
                     </a:p>
                   </a:txBody>
                   <a:tcPr/>
                 </a:tc>
                 <a:extLst>
                   <a:ext uri="{0D108BD9-81ED-4DB2-BD59-A6C34878D82A}">
-                    <a16:rowId xmlns:a16="http://schemas.microsoft.com/office/drawing/2014/main" xmlns="" val="3173407973"/>
+                    <a16:rowId xmlns:a16="http://schemas.microsoft.com/office/drawing/2014/main" val="3173407973"/>
                   </a:ext>
                 </a:extLst>
               </a:tr>
@@ -3476,7 +3474,7 @@
                 </a:tc>
                 <a:extLst>
                   <a:ext uri="{0D108BD9-81ED-4DB2-BD59-A6C34878D82A}">
-                    <a16:rowId xmlns:a16="http://schemas.microsoft.com/office/drawing/2014/main" xmlns="" val="2129113980"/>
+                    <a16:rowId xmlns:a16="http://schemas.microsoft.com/office/drawing/2014/main" val="2129113980"/>
                   </a:ext>
                 </a:extLst>
               </a:tr>
@@ -3547,7 +3545,7 @@
                 </a:tc>
                 <a:extLst>
                   <a:ext uri="{0D108BD9-81ED-4DB2-BD59-A6C34878D82A}">
-                    <a16:rowId xmlns:a16="http://schemas.microsoft.com/office/drawing/2014/main" xmlns="" val="2052019349"/>
+                    <a16:rowId xmlns:a16="http://schemas.microsoft.com/office/drawing/2014/main" val="2052019349"/>
                   </a:ext>
                 </a:extLst>
               </a:tr>
@@ -3618,7 +3616,7 @@
                 </a:tc>
                 <a:extLst>
                   <a:ext uri="{0D108BD9-81ED-4DB2-BD59-A6C34878D82A}">
-                    <a16:rowId xmlns:a16="http://schemas.microsoft.com/office/drawing/2014/main" xmlns="" val="200396807"/>
+                    <a16:rowId xmlns:a16="http://schemas.microsoft.com/office/drawing/2014/main" val="200396807"/>
                   </a:ext>
                 </a:extLst>
               </a:tr>
@@ -3693,7 +3691,7 @@
                 </a:tc>
                 <a:extLst>
                   <a:ext uri="{0D108BD9-81ED-4DB2-BD59-A6C34878D82A}">
-                    <a16:rowId xmlns:a16="http://schemas.microsoft.com/office/drawing/2014/main" xmlns="" val="2777031956"/>
+                    <a16:rowId xmlns:a16="http://schemas.microsoft.com/office/drawing/2014/main" val="2777031956"/>
                   </a:ext>
                 </a:extLst>
               </a:tr>
@@ -3706,7 +3704,7 @@
           <p:cNvPr id="6" name="TextBox 5">
             <a:extLst>
               <a:ext uri="{FF2B5EF4-FFF2-40B4-BE49-F238E27FC236}">
-                <a16:creationId xmlns:a16="http://schemas.microsoft.com/office/drawing/2014/main" xmlns="" id="{3FC95183-D589-4F71-BF6A-30C9AC35CFAF}"/>
+                <a16:creationId xmlns:a16="http://schemas.microsoft.com/office/drawing/2014/main" id="{3FC95183-D589-4F71-BF6A-30C9AC35CFAF}"/>
               </a:ext>
             </a:extLst>
           </p:cNvPr>
@@ -3754,7 +3752,7 @@
               <a:rPr lang="en-US" sz="2800" dirty="0">
                 <a:cs typeface="Calibri"/>
               </a:rPr>
-              <a:t> for false negatives over false positives</a:t>
+              <a:t> for false positives over false negatives</a:t>
             </a:r>
             <a:endParaRPr lang="en-US" dirty="0">
               <a:cs typeface="Calibri"/>
@@ -3805,13 +3803,6 @@
   <p:clrMapOvr>
     <a:masterClrMapping/>
   </p:clrMapOvr>
-  <p:timing>
-    <p:tnLst>
-      <p:par>
-        <p:cTn id="1" dur="indefinite" restart="never" nodeType="tmRoot"/>
-      </p:par>
-    </p:tnLst>
-  </p:timing>
 </p:sld>
 </file>
 
@@ -3848,7 +3839,7 @@
           <p:cNvPr id="2" name="Title 1">
             <a:extLst>
               <a:ext uri="{FF2B5EF4-FFF2-40B4-BE49-F238E27FC236}">
-                <a16:creationId xmlns:a16="http://schemas.microsoft.com/office/drawing/2014/main" xmlns="" id="{9AE54CD4-15A3-4620-A127-F0639A56B9B2}"/>
+                <a16:creationId xmlns:a16="http://schemas.microsoft.com/office/drawing/2014/main" id="{9AE54CD4-15A3-4620-A127-F0639A56B9B2}"/>
               </a:ext>
             </a:extLst>
           </p:cNvPr>
@@ -3879,7 +3870,7 @@
           <p:cNvPr id="3" name="Content Placeholder 2">
             <a:extLst>
               <a:ext uri="{FF2B5EF4-FFF2-40B4-BE49-F238E27FC236}">
-                <a16:creationId xmlns:a16="http://schemas.microsoft.com/office/drawing/2014/main" xmlns="" id="{8EFBFF3D-9D1A-4F5E-BBE7-8DE4D95416B0}"/>
+                <a16:creationId xmlns:a16="http://schemas.microsoft.com/office/drawing/2014/main" id="{8EFBFF3D-9D1A-4F5E-BBE7-8DE4D95416B0}"/>
               </a:ext>
             </a:extLst>
           </p:cNvPr>
@@ -3893,7 +3884,7 @@
         <p:spPr>
           <a:xfrm>
             <a:off x="838200" y="1825625"/>
-            <a:ext cx="10515600" cy="2786132"/>
+            <a:ext cx="10515600" cy="2565011"/>
           </a:xfrm>
         </p:spPr>
         <p:txBody>
@@ -3957,50 +3948,73 @@
       </p:sp>
       <p:sp>
         <p:nvSpPr>
-          <p:cNvPr id="4" name="TextBox 3"/>
+          <p:cNvPr id="4" name="TextBox 3">
+            <a:extLst>
+              <a:ext uri="{FF2B5EF4-FFF2-40B4-BE49-F238E27FC236}">
+                <a16:creationId xmlns:a16="http://schemas.microsoft.com/office/drawing/2014/main" id="{875DEFA7-9362-48FF-AFA2-235942509EB2}"/>
+              </a:ext>
+            </a:extLst>
+          </p:cNvPr>
           <p:cNvSpPr txBox="1"/>
           <p:nvPr/>
         </p:nvSpPr>
         <p:spPr>
           <a:xfrm>
-            <a:off x="844826" y="4452730"/>
-            <a:ext cx="8955157" cy="1384995"/>
+            <a:off x="839448" y="5092908"/>
+            <a:ext cx="10088379" cy="1273169"/>
           </a:xfrm>
           <a:prstGeom prst="rect">
             <a:avLst/>
           </a:prstGeom>
-          <a:noFill/>
         </p:spPr>
         <p:txBody>
-          <a:bodyPr wrap="square" rtlCol="0">
+          <a:bodyPr rot="0" spcFirstLastPara="0" vertOverflow="overflow" horzOverflow="overflow" vert="horz" wrap="square" lIns="91440" tIns="45720" rIns="91440" bIns="45720" numCol="1" spcCol="0" rtlCol="0" fromWordArt="0" anchor="t" anchorCtr="0" forceAA="0" compatLnSpc="1">
+            <a:prstTxWarp prst="textNoShape">
+              <a:avLst/>
+            </a:prstTxWarp>
             <a:spAutoFit/>
           </a:bodyPr>
           <a:lstStyle/>
           <a:p>
-            <a:r>
-              <a:rPr lang="en-US" sz="2800" b="1" dirty="0" smtClean="0">
+            <a:pPr>
+              <a:lnSpc>
+                <a:spcPct val="90000"/>
+              </a:lnSpc>
+              <a:spcBef>
+                <a:spcPts val="1000"/>
+              </a:spcBef>
+            </a:pPr>
+            <a:r>
+              <a:rPr lang="en-US" sz="2800" b="1" dirty="0"/>
+              <a:t>Problem</a:t>
+            </a:r>
+            <a:r>
+              <a:rPr lang="en-US" sz="2800" b="1" dirty="0">
                 <a:cs typeface="Calibri"/>
               </a:rPr>
-              <a:t>Problem:</a:t>
-            </a:r>
-            <a:endParaRPr lang="en-US" sz="2800" b="1" dirty="0">
+              <a:t>:</a:t>
+            </a:r>
+          </a:p>
+          <a:p>
+            <a:pPr>
+              <a:lnSpc>
+                <a:spcPct val="90000"/>
+              </a:lnSpc>
+              <a:spcBef>
+                <a:spcPts val="1000"/>
+              </a:spcBef>
+            </a:pPr>
+            <a:r>
+              <a:rPr lang="en-US" sz="2800" dirty="0"/>
+              <a:t>Could not get watershed algorithm to successfully segment lobes</a:t>
+            </a:r>
+            <a:endParaRPr lang="en-US" sz="2800" dirty="0">
               <a:cs typeface="Calibri"/>
             </a:endParaRPr>
           </a:p>
           <a:p>
-            <a:r>
-              <a:rPr lang="en-US" sz="2800" dirty="0" smtClean="0">
-                <a:cs typeface="Calibri"/>
-              </a:rPr>
-              <a:t>Could </a:t>
-            </a:r>
-            <a:r>
-              <a:rPr lang="en-US" sz="2800" dirty="0">
-                <a:cs typeface="Calibri"/>
-              </a:rPr>
-              <a:t>not get watershed algorithm to successfully segment lobes</a:t>
-            </a:r>
-            <a:endParaRPr lang="en-US" sz="2800" dirty="0">
+            <a:pPr algn="ctr"/>
+            <a:endParaRPr lang="en-US" dirty="0">
               <a:cs typeface="Calibri"/>
             </a:endParaRPr>
           </a:p>
@@ -4130,7 +4144,7 @@
           <p:cNvPr id="2" name="Title 1">
             <a:extLst>
               <a:ext uri="{FF2B5EF4-FFF2-40B4-BE49-F238E27FC236}">
-                <a16:creationId xmlns:a16="http://schemas.microsoft.com/office/drawing/2014/main" xmlns="" id="{F006E2F2-711D-46CC-B86E-9D1DE4533CDB}"/>
+                <a16:creationId xmlns:a16="http://schemas.microsoft.com/office/drawing/2014/main" id="{F006E2F2-711D-46CC-B86E-9D1DE4533CDB}"/>
               </a:ext>
             </a:extLst>
           </p:cNvPr>
@@ -4161,7 +4175,7 @@
           <p:cNvPr id="3" name="Content Placeholder 2">
             <a:extLst>
               <a:ext uri="{FF2B5EF4-FFF2-40B4-BE49-F238E27FC236}">
-                <a16:creationId xmlns:a16="http://schemas.microsoft.com/office/drawing/2014/main" xmlns="" id="{93C6088C-AE9F-457B-9E95-2791689E3BAB}"/>
+                <a16:creationId xmlns:a16="http://schemas.microsoft.com/office/drawing/2014/main" id="{93C6088C-AE9F-457B-9E95-2791689E3BAB}"/>
               </a:ext>
             </a:extLst>
           </p:cNvPr>
@@ -4238,13 +4252,6 @@
   <p:clrMapOvr>
     <a:masterClrMapping/>
   </p:clrMapOvr>
-  <p:timing>
-    <p:tnLst>
-      <p:par>
-        <p:cTn id="1" dur="indefinite" restart="never" nodeType="tmRoot"/>
-      </p:par>
-    </p:tnLst>
-  </p:timing>
 </p:sld>
 </file>
 
@@ -4281,7 +4288,7 @@
           <p:cNvPr id="2" name="Title 1">
             <a:extLst>
               <a:ext uri="{FF2B5EF4-FFF2-40B4-BE49-F238E27FC236}">
-                <a16:creationId xmlns:a16="http://schemas.microsoft.com/office/drawing/2014/main" xmlns="" id="{A9150025-DBB4-406D-9F04-6EC58FB85B33}"/>
+                <a16:creationId xmlns:a16="http://schemas.microsoft.com/office/drawing/2014/main" id="{A9150025-DBB4-406D-9F04-6EC58FB85B33}"/>
               </a:ext>
             </a:extLst>
           </p:cNvPr>
@@ -4322,13 +4329,6 @@
   <p:clrMapOvr>
     <a:masterClrMapping/>
   </p:clrMapOvr>
-  <p:timing>
-    <p:tnLst>
-      <p:par>
-        <p:cTn id="1" dur="indefinite" restart="never" nodeType="tmRoot"/>
-      </p:par>
-    </p:tnLst>
-  </p:timing>
 </p:sld>
 </file>
 
@@ -4365,7 +4365,7 @@
           <p:cNvPr id="2" name="Title 1">
             <a:extLst>
               <a:ext uri="{FF2B5EF4-FFF2-40B4-BE49-F238E27FC236}">
-                <a16:creationId xmlns:a16="http://schemas.microsoft.com/office/drawing/2014/main" xmlns="" id="{1497F60D-7B44-4096-9C19-47DB6B52626D}"/>
+                <a16:creationId xmlns:a16="http://schemas.microsoft.com/office/drawing/2014/main" id="{1497F60D-7B44-4096-9C19-47DB6B52626D}"/>
               </a:ext>
             </a:extLst>
           </p:cNvPr>
@@ -4396,7 +4396,7 @@
           <p:cNvPr id="3" name="Content Placeholder 2">
             <a:extLst>
               <a:ext uri="{FF2B5EF4-FFF2-40B4-BE49-F238E27FC236}">
-                <a16:creationId xmlns:a16="http://schemas.microsoft.com/office/drawing/2014/main" xmlns="" id="{B7F2A400-8AC3-4A6D-A0A3-D917899BECCC}"/>
+                <a16:creationId xmlns:a16="http://schemas.microsoft.com/office/drawing/2014/main" id="{B7F2A400-8AC3-4A6D-A0A3-D917899BECCC}"/>
               </a:ext>
             </a:extLst>
           </p:cNvPr>
@@ -4459,13 +4459,6 @@
   <p:clrMapOvr>
     <a:masterClrMapping/>
   </p:clrMapOvr>
-  <p:timing>
-    <p:tnLst>
-      <p:par>
-        <p:cTn id="1" dur="indefinite" restart="never" nodeType="tmRoot"/>
-      </p:par>
-    </p:tnLst>
-  </p:timing>
 </p:sld>
 </file>
 
@@ -4502,7 +4495,7 @@
           <p:cNvPr id="2" name="Title 1">
             <a:extLst>
               <a:ext uri="{FF2B5EF4-FFF2-40B4-BE49-F238E27FC236}">
-                <a16:creationId xmlns:a16="http://schemas.microsoft.com/office/drawing/2014/main" xmlns="" id="{1497F60D-7B44-4096-9C19-47DB6B52626D}"/>
+                <a16:creationId xmlns:a16="http://schemas.microsoft.com/office/drawing/2014/main" id="{1497F60D-7B44-4096-9C19-47DB6B52626D}"/>
               </a:ext>
             </a:extLst>
           </p:cNvPr>
@@ -4533,7 +4526,7 @@
           <p:cNvPr id="3" name="Content Placeholder 2">
             <a:extLst>
               <a:ext uri="{FF2B5EF4-FFF2-40B4-BE49-F238E27FC236}">
-                <a16:creationId xmlns:a16="http://schemas.microsoft.com/office/drawing/2014/main" xmlns="" id="{B7F2A400-8AC3-4A6D-A0A3-D917899BECCC}"/>
+                <a16:creationId xmlns:a16="http://schemas.microsoft.com/office/drawing/2014/main" id="{B7F2A400-8AC3-4A6D-A0A3-D917899BECCC}"/>
               </a:ext>
             </a:extLst>
           </p:cNvPr>
@@ -4606,7 +4599,7 @@
           <p:cNvPr id="8" name="Picture 8" descr="A picture containing clipart&#10;&#10;Description generated with high confidence">
             <a:extLst>
               <a:ext uri="{FF2B5EF4-FFF2-40B4-BE49-F238E27FC236}">
-                <a16:creationId xmlns:a16="http://schemas.microsoft.com/office/drawing/2014/main" xmlns="" id="{9551A7D4-CCC2-4A42-94A7-49604C581D9E}"/>
+                <a16:creationId xmlns:a16="http://schemas.microsoft.com/office/drawing/2014/main" id="{9551A7D4-CCC2-4A42-94A7-49604C581D9E}"/>
               </a:ext>
             </a:extLst>
           </p:cNvPr>
@@ -4636,7 +4629,7 @@
           <p:cNvPr id="10" name="Picture 10">
             <a:extLst>
               <a:ext uri="{FF2B5EF4-FFF2-40B4-BE49-F238E27FC236}">
-                <a16:creationId xmlns:a16="http://schemas.microsoft.com/office/drawing/2014/main" xmlns="" id="{B0B61A86-501E-4D71-9820-CE3336255959}"/>
+                <a16:creationId xmlns:a16="http://schemas.microsoft.com/office/drawing/2014/main" id="{B0B61A86-501E-4D71-9820-CE3336255959}"/>
               </a:ext>
             </a:extLst>
           </p:cNvPr>
@@ -4827,7 +4820,7 @@
           <p:cNvPr id="2" name="Title 1">
             <a:extLst>
               <a:ext uri="{FF2B5EF4-FFF2-40B4-BE49-F238E27FC236}">
-                <a16:creationId xmlns:a16="http://schemas.microsoft.com/office/drawing/2014/main" xmlns="" id="{C194577D-1485-49DC-8E8C-0505BDAB46D5}"/>
+                <a16:creationId xmlns:a16="http://schemas.microsoft.com/office/drawing/2014/main" id="{C194577D-1485-49DC-8E8C-0505BDAB46D5}"/>
               </a:ext>
             </a:extLst>
           </p:cNvPr>
@@ -4863,7 +4856,7 @@
           <p:cNvPr id="3" name="Content Placeholder 2">
             <a:extLst>
               <a:ext uri="{FF2B5EF4-FFF2-40B4-BE49-F238E27FC236}">
-                <a16:creationId xmlns:a16="http://schemas.microsoft.com/office/drawing/2014/main" xmlns="" id="{02AC1EF6-9248-4322-90B2-557968A5D730}"/>
+                <a16:creationId xmlns:a16="http://schemas.microsoft.com/office/drawing/2014/main" id="{02AC1EF6-9248-4322-90B2-557968A5D730}"/>
               </a:ext>
             </a:extLst>
           </p:cNvPr>
@@ -4985,7 +4978,7 @@
           <p:cNvPr id="8" name="Picture 8" descr="A picture containing photo, text&#10;&#10;Description generated with very high confidence">
             <a:extLst>
               <a:ext uri="{FF2B5EF4-FFF2-40B4-BE49-F238E27FC236}">
-                <a16:creationId xmlns:a16="http://schemas.microsoft.com/office/drawing/2014/main" xmlns="" id="{5A4BDF17-F890-48AC-B1C0-DD10F2E5109A}"/>
+                <a16:creationId xmlns:a16="http://schemas.microsoft.com/office/drawing/2014/main" id="{5A4BDF17-F890-48AC-B1C0-DD10F2E5109A}"/>
               </a:ext>
             </a:extLst>
           </p:cNvPr>
@@ -5020,13 +5013,6 @@
   <p:clrMapOvr>
     <a:masterClrMapping/>
   </p:clrMapOvr>
-  <p:timing>
-    <p:tnLst>
-      <p:par>
-        <p:cTn id="1" dur="indefinite" restart="never" nodeType="tmRoot"/>
-      </p:par>
-    </p:tnLst>
-  </p:timing>
 </p:sld>
 </file>
 
@@ -5063,7 +5049,7 @@
           <p:cNvPr id="2" name="Title 1">
             <a:extLst>
               <a:ext uri="{FF2B5EF4-FFF2-40B4-BE49-F238E27FC236}">
-                <a16:creationId xmlns:a16="http://schemas.microsoft.com/office/drawing/2014/main" xmlns="" id="{84FD33EA-7C60-4B17-8A38-D5C111182F6E}"/>
+                <a16:creationId xmlns:a16="http://schemas.microsoft.com/office/drawing/2014/main" id="{84FD33EA-7C60-4B17-8A38-D5C111182F6E}"/>
               </a:ext>
             </a:extLst>
           </p:cNvPr>
@@ -5094,7 +5080,7 @@
           <p:cNvPr id="3" name="Content Placeholder 2">
             <a:extLst>
               <a:ext uri="{FF2B5EF4-FFF2-40B4-BE49-F238E27FC236}">
-                <a16:creationId xmlns:a16="http://schemas.microsoft.com/office/drawing/2014/main" xmlns="" id="{21CBE8C3-2233-44C3-8C43-592061DFE5D6}"/>
+                <a16:creationId xmlns:a16="http://schemas.microsoft.com/office/drawing/2014/main" id="{21CBE8C3-2233-44C3-8C43-592061DFE5D6}"/>
               </a:ext>
             </a:extLst>
           </p:cNvPr>
@@ -5187,13 +5173,6 @@
   <p:clrMapOvr>
     <a:masterClrMapping/>
   </p:clrMapOvr>
-  <p:timing>
-    <p:tnLst>
-      <p:par>
-        <p:cTn id="1" dur="indefinite" restart="never" nodeType="tmRoot"/>
-      </p:par>
-    </p:tnLst>
-  </p:timing>
 </p:sld>
 </file>
 
@@ -5230,7 +5209,7 @@
           <p:cNvPr id="2" name="Title 1">
             <a:extLst>
               <a:ext uri="{FF2B5EF4-FFF2-40B4-BE49-F238E27FC236}">
-                <a16:creationId xmlns:a16="http://schemas.microsoft.com/office/drawing/2014/main" xmlns="" id="{84FD33EA-7C60-4B17-8A38-D5C111182F6E}"/>
+                <a16:creationId xmlns:a16="http://schemas.microsoft.com/office/drawing/2014/main" id="{84FD33EA-7C60-4B17-8A38-D5C111182F6E}"/>
               </a:ext>
             </a:extLst>
           </p:cNvPr>
@@ -5261,7 +5240,7 @@
           <p:cNvPr id="3" name="Content Placeholder 2">
             <a:extLst>
               <a:ext uri="{FF2B5EF4-FFF2-40B4-BE49-F238E27FC236}">
-                <a16:creationId xmlns:a16="http://schemas.microsoft.com/office/drawing/2014/main" xmlns="" id="{21CBE8C3-2233-44C3-8C43-592061DFE5D6}"/>
+                <a16:creationId xmlns:a16="http://schemas.microsoft.com/office/drawing/2014/main" id="{21CBE8C3-2233-44C3-8C43-592061DFE5D6}"/>
               </a:ext>
             </a:extLst>
           </p:cNvPr>
@@ -5323,13 +5302,6 @@
   <p:clrMapOvr>
     <a:masterClrMapping/>
   </p:clrMapOvr>
-  <p:timing>
-    <p:tnLst>
-      <p:par>
-        <p:cTn id="1" dur="indefinite" restart="never" nodeType="tmRoot"/>
-      </p:par>
-    </p:tnLst>
-  </p:timing>
 </p:sld>
 </file>
 
@@ -5366,7 +5338,7 @@
           <p:cNvPr id="2" name="Title 1">
             <a:extLst>
               <a:ext uri="{FF2B5EF4-FFF2-40B4-BE49-F238E27FC236}">
-                <a16:creationId xmlns:a16="http://schemas.microsoft.com/office/drawing/2014/main" xmlns="" id="{84FD33EA-7C60-4B17-8A38-D5C111182F6E}"/>
+                <a16:creationId xmlns:a16="http://schemas.microsoft.com/office/drawing/2014/main" id="{84FD33EA-7C60-4B17-8A38-D5C111182F6E}"/>
               </a:ext>
             </a:extLst>
           </p:cNvPr>
@@ -5397,7 +5369,7 @@
           <p:cNvPr id="3" name="Content Placeholder 2">
             <a:extLst>
               <a:ext uri="{FF2B5EF4-FFF2-40B4-BE49-F238E27FC236}">
-                <a16:creationId xmlns:a16="http://schemas.microsoft.com/office/drawing/2014/main" xmlns="" id="{21CBE8C3-2233-44C3-8C43-592061DFE5D6}"/>
+                <a16:creationId xmlns:a16="http://schemas.microsoft.com/office/drawing/2014/main" id="{21CBE8C3-2233-44C3-8C43-592061DFE5D6}"/>
               </a:ext>
             </a:extLst>
           </p:cNvPr>
@@ -5460,7 +5432,7 @@
           <p:cNvPr id="4" name="Picture 4" descr="A picture containing table, photo, sitting&#10;&#10;Description generated with high confidence">
             <a:extLst>
               <a:ext uri="{FF2B5EF4-FFF2-40B4-BE49-F238E27FC236}">
-                <a16:creationId xmlns:a16="http://schemas.microsoft.com/office/drawing/2014/main" xmlns="" id="{B2748C40-539B-4B88-9536-91BE934DBA5E}"/>
+                <a16:creationId xmlns:a16="http://schemas.microsoft.com/office/drawing/2014/main" id="{B2748C40-539B-4B88-9536-91BE934DBA5E}"/>
               </a:ext>
             </a:extLst>
           </p:cNvPr>
@@ -5490,7 +5462,7 @@
           <p:cNvPr id="6" name="Picture 6">
             <a:extLst>
               <a:ext uri="{FF2B5EF4-FFF2-40B4-BE49-F238E27FC236}">
-                <a16:creationId xmlns:a16="http://schemas.microsoft.com/office/drawing/2014/main" xmlns="" id="{F9639884-1FFA-45E1-B912-210739DEBCF9}"/>
+                <a16:creationId xmlns:a16="http://schemas.microsoft.com/office/drawing/2014/main" id="{F9639884-1FFA-45E1-B912-210739DEBCF9}"/>
               </a:ext>
             </a:extLst>
           </p:cNvPr>
@@ -5520,7 +5492,7 @@
           <p:cNvPr id="8" name="Picture 8" descr="A close up of a logo&#10;&#10;Description generated with very high confidence">
             <a:extLst>
               <a:ext uri="{FF2B5EF4-FFF2-40B4-BE49-F238E27FC236}">
-                <a16:creationId xmlns:a16="http://schemas.microsoft.com/office/drawing/2014/main" xmlns="" id="{BB2F7964-32AE-4152-AFEB-FC39E265E7BE}"/>
+                <a16:creationId xmlns:a16="http://schemas.microsoft.com/office/drawing/2014/main" id="{BB2F7964-32AE-4152-AFEB-FC39E265E7BE}"/>
               </a:ext>
             </a:extLst>
           </p:cNvPr>
@@ -5711,7 +5683,7 @@
           <p:cNvPr id="2" name="Title 1">
             <a:extLst>
               <a:ext uri="{FF2B5EF4-FFF2-40B4-BE49-F238E27FC236}">
-                <a16:creationId xmlns:a16="http://schemas.microsoft.com/office/drawing/2014/main" xmlns="" id="{6C8DC7CD-73B7-466E-9C76-6652092594B2}"/>
+                <a16:creationId xmlns:a16="http://schemas.microsoft.com/office/drawing/2014/main" id="{6C8DC7CD-73B7-466E-9C76-6652092594B2}"/>
               </a:ext>
             </a:extLst>
           </p:cNvPr>
@@ -5742,7 +5714,7 @@
           <p:cNvPr id="3" name="Content Placeholder 2">
             <a:extLst>
               <a:ext uri="{FF2B5EF4-FFF2-40B4-BE49-F238E27FC236}">
-                <a16:creationId xmlns:a16="http://schemas.microsoft.com/office/drawing/2014/main" xmlns="" id="{2068D648-DD9D-4FD3-A55A-948FF577D56B}"/>
+                <a16:creationId xmlns:a16="http://schemas.microsoft.com/office/drawing/2014/main" id="{2068D648-DD9D-4FD3-A55A-948FF577D56B}"/>
               </a:ext>
             </a:extLst>
           </p:cNvPr>
@@ -5811,7 +5783,7 @@
           <p:cNvPr id="6" name="Picture 6" descr="A picture containing photo, clock&#10;&#10;Description generated with high confidence">
             <a:extLst>
               <a:ext uri="{FF2B5EF4-FFF2-40B4-BE49-F238E27FC236}">
-                <a16:creationId xmlns:a16="http://schemas.microsoft.com/office/drawing/2014/main" xmlns="" id="{97129865-904A-404D-B4D5-B12445A5910F}"/>
+                <a16:creationId xmlns:a16="http://schemas.microsoft.com/office/drawing/2014/main" id="{97129865-904A-404D-B4D5-B12445A5910F}"/>
               </a:ext>
             </a:extLst>
           </p:cNvPr>
@@ -5846,13 +5818,6 @@
   <p:clrMapOvr>
     <a:masterClrMapping/>
   </p:clrMapOvr>
-  <p:timing>
-    <p:tnLst>
-      <p:par>
-        <p:cTn id="1" dur="indefinite" restart="never" nodeType="tmRoot"/>
-      </p:par>
-    </p:tnLst>
-  </p:timing>
 </p:sld>
 </file>
 
@@ -5889,7 +5854,7 @@
           <p:cNvPr id="2" name="Title 1">
             <a:extLst>
               <a:ext uri="{FF2B5EF4-FFF2-40B4-BE49-F238E27FC236}">
-                <a16:creationId xmlns:a16="http://schemas.microsoft.com/office/drawing/2014/main" xmlns="" id="{CBCA0D67-B308-437D-AD6A-5A7B01A4C21D}"/>
+                <a16:creationId xmlns:a16="http://schemas.microsoft.com/office/drawing/2014/main" id="{CBCA0D67-B308-437D-AD6A-5A7B01A4C21D}"/>
               </a:ext>
             </a:extLst>
           </p:cNvPr>
@@ -5920,7 +5885,7 @@
           <p:cNvPr id="3" name="Content Placeholder 2">
             <a:extLst>
               <a:ext uri="{FF2B5EF4-FFF2-40B4-BE49-F238E27FC236}">
-                <a16:creationId xmlns:a16="http://schemas.microsoft.com/office/drawing/2014/main" xmlns="" id="{CE934D79-56CF-4D86-84D6-7EEEED1E307F}"/>
+                <a16:creationId xmlns:a16="http://schemas.microsoft.com/office/drawing/2014/main" id="{CE934D79-56CF-4D86-84D6-7EEEED1E307F}"/>
               </a:ext>
             </a:extLst>
           </p:cNvPr>
@@ -5958,7 +5923,7 @@
           <p:cNvPr id="4" name="Picture 4" descr="A close up of an animal&#10;&#10;Description generated with very high confidence">
             <a:extLst>
               <a:ext uri="{FF2B5EF4-FFF2-40B4-BE49-F238E27FC236}">
-                <a16:creationId xmlns:a16="http://schemas.microsoft.com/office/drawing/2014/main" xmlns="" id="{7B5C3AB6-090C-4E41-AA20-C6E81A304EE1}"/>
+                <a16:creationId xmlns:a16="http://schemas.microsoft.com/office/drawing/2014/main" id="{7B5C3AB6-090C-4E41-AA20-C6E81A304EE1}"/>
               </a:ext>
             </a:extLst>
           </p:cNvPr>
@@ -5988,7 +5953,7 @@
           <p:cNvPr id="6" name="Picture 6" descr="A close up of an animal&#10;&#10;Description generated with very high confidence">
             <a:extLst>
               <a:ext uri="{FF2B5EF4-FFF2-40B4-BE49-F238E27FC236}">
-                <a16:creationId xmlns:a16="http://schemas.microsoft.com/office/drawing/2014/main" xmlns="" id="{855B2CBE-1AC1-42A2-9B34-C2E55F9AB688}"/>
+                <a16:creationId xmlns:a16="http://schemas.microsoft.com/office/drawing/2014/main" id="{855B2CBE-1AC1-42A2-9B34-C2E55F9AB688}"/>
               </a:ext>
             </a:extLst>
           </p:cNvPr>
@@ -6356,7 +6321,7 @@
   <a:extraClrSchemeLst/>
   <a:extLst>
     <a:ext uri="{05A4C25C-085E-4340-85A3-A5531E510DB2}">
-      <thm15:themeFamily xmlns:thm15="http://schemas.microsoft.com/office/thememl/2012/main" xmlns="" name="Office Theme" id="{62F939B6-93AF-4DB8-9C6B-D6C7DFDC589F}" vid="{4A3C46E8-61CC-4603-A589-7422A47A8E4A}"/>
+      <thm15:themeFamily xmlns:thm15="http://schemas.microsoft.com/office/thememl/2012/main" name="Office Theme" id="{62F939B6-93AF-4DB8-9C6B-D6C7DFDC589F}" vid="{4A3C46E8-61CC-4603-A589-7422A47A8E4A}"/>
     </a:ext>
   </a:extLst>
 </a:theme>
